--- a/files/Slide.pptx
+++ b/files/Slide.pptx
@@ -6658,7 +6658,21 @@
               <a:rPr lang="en-US" altLang="zh-CN">
                 <a:ea typeface="宋体" panose="02010600030101010101" pitchFamily="2" charset="-122"/>
               </a:rPr>
-              <a:t>(edge)</a:t>
+              <a:t>(edge):</a:t>
+            </a:r>
+            <a:endParaRPr lang="en-US" altLang="zh-CN">
+              <a:ea typeface="宋体" panose="02010600030101010101" pitchFamily="2" charset="-122"/>
+            </a:endParaRPr>
+          </a:p>
+          <a:p>
+            <a:pPr marL="0" indent="0">
+              <a:buNone/>
+            </a:pPr>
+            <a:r>
+              <a:rPr lang="en-US" altLang="zh-CN">
+                <a:ea typeface="宋体" panose="02010600030101010101" pitchFamily="2" charset="-122"/>
+              </a:rPr>
+              <a:t>???</a:t>
             </a:r>
             <a:endParaRPr lang="zh-CN" altLang="en-US">
               <a:ea typeface="宋体" panose="02010600030101010101" pitchFamily="2" charset="-122"/>
